--- a/module2/2-slides.pptx
+++ b/module2/2-slides.pptx
@@ -966,10 +966,7 @@
           <a:bodyPr/>
           <a:lstStyle/>
           <a:p>
-            <a:r>
-              <a:rPr lang="en-US" dirty="0"/>
-              <a:t>No demo for this slide so add some code yourself</a:t>
-            </a:r>
+            <a:endParaRPr lang="en-US" dirty="0"/>
           </a:p>
         </p:txBody>
       </p:sp>
@@ -1035,31 +1032,6 @@
           <a:bodyPr/>
           <a:lstStyle/>
           <a:p>
-            <a:pPr marL="457200" marR="0" lvl="0" indent="-317500" algn="l" defTabSz="914400" rtl="0" eaLnBrk="1" fontAlgn="auto" latinLnBrk="0" hangingPunct="1">
-              <a:lnSpc>
-                <a:spcPct val="100000"/>
-              </a:lnSpc>
-              <a:spcBef>
-                <a:spcPts val="0"/>
-              </a:spcBef>
-              <a:spcAft>
-                <a:spcPts val="0"/>
-              </a:spcAft>
-              <a:buClr>
-                <a:srgbClr val="000000"/>
-              </a:buClr>
-              <a:buSzPts val="1400"/>
-              <a:buFont typeface="Arial"/>
-              <a:buChar char="●"/>
-              <a:tabLst/>
-              <a:defRPr/>
-            </a:pPr>
-            <a:r>
-              <a:rPr lang="en-US" dirty="0"/>
-              <a:t>No demo for this slide so add some code yourself</a:t>
-            </a:r>
-          </a:p>
-          <a:p>
             <a:endParaRPr lang="en-US" dirty="0"/>
           </a:p>
         </p:txBody>
@@ -1125,31 +1097,6 @@
         <p:txBody>
           <a:bodyPr/>
           <a:lstStyle/>
-          <a:p>
-            <a:pPr marL="457200" marR="0" lvl="0" indent="-317500" algn="l" defTabSz="914400" rtl="0" eaLnBrk="1" fontAlgn="auto" latinLnBrk="0" hangingPunct="1">
-              <a:lnSpc>
-                <a:spcPct val="100000"/>
-              </a:lnSpc>
-              <a:spcBef>
-                <a:spcPts val="0"/>
-              </a:spcBef>
-              <a:spcAft>
-                <a:spcPts val="0"/>
-              </a:spcAft>
-              <a:buClr>
-                <a:srgbClr val="000000"/>
-              </a:buClr>
-              <a:buSzPts val="1400"/>
-              <a:buFont typeface="Arial"/>
-              <a:buChar char="●"/>
-              <a:tabLst/>
-              <a:defRPr/>
-            </a:pPr>
-            <a:r>
-              <a:rPr lang="en-US" dirty="0"/>
-              <a:t>No demo for this slide so add some code yourself</a:t>
-            </a:r>
-          </a:p>
           <a:p>
             <a:endParaRPr lang="en-US" dirty="0"/>
           </a:p>
@@ -2305,6 +2252,19 @@
           </a:p>
           <a:p>
             <a:pPr rtl="0"/>
+            <a:r>
+              <a:rPr lang="en-US" sz="1100" b="0" i="0" u="none" strike="noStrike" cap="none" dirty="0">
+                <a:solidFill>
+                  <a:srgbClr val="000000"/>
+                </a:solidFill>
+                <a:effectLst/>
+                <a:latin typeface="Arial"/>
+                <a:ea typeface="Arial"/>
+                <a:cs typeface="Arial"/>
+                <a:sym typeface="Arial"/>
+              </a:rPr>
+              <a:t/>
+            </a:r>
             <a:br>
               <a:rPr lang="en-US" sz="1100" b="0" i="0" u="none" strike="noStrike" cap="none" dirty="0">
                 <a:solidFill>
@@ -4227,7 +4187,7 @@
               <a:t>Demo link: https://</a:t>
             </a:r>
             <a:r>
-              <a:rPr lang="en-US" sz="1100" b="0" i="0" u="none" strike="noStrike" cap="none" dirty="0" err="1">
+              <a:rPr lang="en-US" sz="1100" b="0" i="0" u="none" strike="noStrike" cap="none" dirty="0" smtClean="0">
                 <a:solidFill>
                   <a:srgbClr val="000000"/>
                 </a:solidFill>
@@ -4237,7 +4197,7 @@
                 <a:cs typeface="Arial"/>
                 <a:sym typeface="Arial"/>
               </a:rPr>
-              <a:t>umass</a:t>
+              <a:t>umass-data-science.github.io/CS108website/textbook/04/2/1/string-methods</a:t>
             </a:r>
             <a:r>
               <a:rPr lang="en-US" sz="1100" b="0" i="0" u="none" strike="noStrike" cap="none" dirty="0">
@@ -4250,33 +4210,7 @@
                 <a:cs typeface="Arial"/>
                 <a:sym typeface="Arial"/>
               </a:rPr>
-              <a:t>-data-</a:t>
-            </a:r>
-            <a:r>
-              <a:rPr lang="en-US" sz="1100" b="0" i="0" u="none" strike="noStrike" cap="none" dirty="0" err="1">
-                <a:solidFill>
-                  <a:srgbClr val="000000"/>
-                </a:solidFill>
-                <a:effectLst/>
-                <a:latin typeface="Arial"/>
-                <a:ea typeface="Arial"/>
-                <a:cs typeface="Arial"/>
-                <a:sym typeface="Arial"/>
-              </a:rPr>
-              <a:t>science.github.io</a:t>
-            </a:r>
-            <a:r>
-              <a:rPr lang="en-US" sz="1100" b="0" i="0" u="none" strike="noStrike" cap="none" dirty="0">
-                <a:solidFill>
-                  <a:srgbClr val="000000"/>
-                </a:solidFill>
-                <a:effectLst/>
-                <a:latin typeface="Arial"/>
-                <a:ea typeface="Arial"/>
-                <a:cs typeface="Arial"/>
-                <a:sym typeface="Arial"/>
-              </a:rPr>
-              <a:t>/190fwebsite/textbook/04/2/1/string-methods/</a:t>
+              <a:t>/</a:t>
             </a:r>
           </a:p>
           <a:p>
@@ -5016,7 +4950,7 @@
           <a:p>
             <a:fld id="{1160EA64-D806-43AC-9DF2-F8C432F32B4C}" type="datetimeFigureOut">
               <a:rPr lang="en-US" smtClean="0"/>
-              <a:t>9/20/22</a:t>
+              <a:t>2/13/2023</a:t>
             </a:fld>
             <a:endParaRPr lang="en-US" dirty="0"/>
           </a:p>
@@ -5195,7 +5129,7 @@
           <a:p>
             <a:fld id="{E9F9C37B-1D36-470B-8223-D6C91242EC14}" type="datetimeFigureOut">
               <a:rPr lang="en-US" smtClean="0"/>
-              <a:t>9/20/22</a:t>
+              <a:t>2/13/2023</a:t>
             </a:fld>
             <a:endParaRPr lang="en-US" dirty="0"/>
           </a:p>
@@ -5376,7 +5310,7 @@
           <a:p>
             <a:fld id="{67C6F52A-A82B-47A2-A83A-8C4C91F2D59F}" type="datetimeFigureOut">
               <a:rPr lang="en-US" smtClean="0"/>
-              <a:t>9/20/22</a:t>
+              <a:t>2/13/2023</a:t>
             </a:fld>
             <a:endParaRPr lang="en-US" dirty="0"/>
           </a:p>
@@ -5814,6 +5748,10 @@
           </a:p>
           <a:p>
             <a:pPr lvl="1"/>
+            <a:r>
+              <a:rPr lang="en-US" dirty="0"/>
+              <a:t/>
+            </a:r>
             <a:br>
               <a:rPr lang="en-US" dirty="0"/>
             </a:br>
@@ -6145,7 +6083,7 @@
           <a:p>
             <a:fld id="{F070A7B3-6521-4DCA-87E5-044747A908C1}" type="datetimeFigureOut">
               <a:rPr lang="en-US" smtClean="0"/>
-              <a:t>9/20/22</a:t>
+              <a:t>2/13/2023</a:t>
             </a:fld>
             <a:endParaRPr lang="en-US" dirty="0"/>
           </a:p>
@@ -6468,7 +6406,7 @@
           <a:p>
             <a:fld id="{1160EA64-D806-43AC-9DF2-F8C432F32B4C}" type="datetimeFigureOut">
               <a:rPr lang="en-US" smtClean="0"/>
-              <a:t>9/20/22</a:t>
+              <a:t>2/13/2023</a:t>
             </a:fld>
             <a:endParaRPr lang="en-US" dirty="0"/>
           </a:p>
@@ -6930,7 +6868,7 @@
           <a:p>
             <a:fld id="{AB134690-1557-4C89-A502-4959FE7FAD70}" type="datetimeFigureOut">
               <a:rPr lang="en-US" smtClean="0"/>
-              <a:t>9/20/22</a:t>
+              <a:t>2/13/2023</a:t>
             </a:fld>
             <a:endParaRPr lang="en-US" dirty="0"/>
           </a:p>
@@ -7342,7 +7280,7 @@
           <a:p>
             <a:fld id="{1160EA64-D806-43AC-9DF2-F8C432F32B4C}" type="datetimeFigureOut">
               <a:rPr lang="en-US" smtClean="0"/>
-              <a:t>9/20/22</a:t>
+              <a:t>2/13/2023</a:t>
             </a:fld>
             <a:endParaRPr lang="en-US" dirty="0"/>
           </a:p>
@@ -7462,7 +7400,7 @@
           <a:p>
             <a:fld id="{E1037C31-9E7A-4F99-8774-A0E530DE1A42}" type="datetimeFigureOut">
               <a:rPr lang="en-US" smtClean="0"/>
-              <a:t>9/20/22</a:t>
+              <a:t>2/13/2023</a:t>
             </a:fld>
             <a:endParaRPr lang="en-US" dirty="0"/>
           </a:p>
@@ -7580,7 +7518,7 @@
           <a:p>
             <a:fld id="{C278504F-A551-4DE0-9316-4DCD1D8CC752}" type="datetimeFigureOut">
               <a:rPr lang="en-US" smtClean="0"/>
-              <a:t>9/20/22</a:t>
+              <a:t>2/13/2023</a:t>
             </a:fld>
             <a:endParaRPr lang="en-US" dirty="0"/>
           </a:p>
@@ -7939,7 +7877,7 @@
           <a:p>
             <a:fld id="{D1BE4249-C0D0-4B06-8692-E8BB871AF643}" type="datetimeFigureOut">
               <a:rPr lang="en-US" smtClean="0"/>
-              <a:t>9/20/22</a:t>
+              <a:t>2/13/2023</a:t>
             </a:fld>
             <a:endParaRPr lang="en-US" dirty="0"/>
           </a:p>
@@ -8447,7 +8385,7 @@
           <a:p>
             <a:fld id="{042B0DB6-F5C7-45FB-8CF3-31B45F9C2DAC}" type="datetimeFigureOut">
               <a:rPr lang="en-US" smtClean="0"/>
-              <a:t>9/20/22</a:t>
+              <a:t>2/13/2023</a:t>
             </a:fld>
             <a:endParaRPr lang="en-US" dirty="0"/>
           </a:p>
@@ -8803,7 +8741,7 @@
           <a:p>
             <a:fld id="{1160EA64-D806-43AC-9DF2-F8C432F32B4C}" type="datetimeFigureOut">
               <a:rPr lang="en-US" smtClean="0"/>
-              <a:t>9/20/22</a:t>
+              <a:t>2/13/2023</a:t>
             </a:fld>
             <a:endParaRPr lang="en-US" dirty="0"/>
           </a:p>
@@ -9538,6 +9476,13 @@
   <p:clrMapOvr>
     <a:masterClrMapping/>
   </p:clrMapOvr>
+  <p:timing>
+    <p:tnLst>
+      <p:par>
+        <p:cTn id="1" dur="indefinite" restart="never" nodeType="tmRoot"/>
+      </p:par>
+    </p:tnLst>
+  </p:timing>
 </p:sld>
 </file>
 
@@ -9606,6 +9551,13 @@
   <p:clrMapOvr>
     <a:masterClrMapping/>
   </p:clrMapOvr>
+  <p:timing>
+    <p:tnLst>
+      <p:par>
+        <p:cTn id="1" dur="indefinite" restart="never" nodeType="tmRoot"/>
+      </p:par>
+    </p:tnLst>
+  </p:timing>
 </p:sld>
 </file>
 
@@ -9718,12 +9670,20 @@
               </a:spcBef>
             </a:pPr>
             <a:r>
+              <a:rPr lang="en-US" dirty="0" smtClean="0">
+                <a:ea typeface="Courier New"/>
+                <a:cs typeface="Courier New"/>
+                <a:sym typeface="Courier New"/>
+              </a:rPr>
+              <a:t>Material </a:t>
+            </a:r>
+            <a:r>
               <a:rPr lang="en-US" dirty="0">
                 <a:ea typeface="Courier New"/>
                 <a:cs typeface="Courier New"/>
                 <a:sym typeface="Courier New"/>
               </a:rPr>
-              <a:t>HW2 is out, material covered today will be useful in completing the assignment</a:t>
+              <a:t>covered today will be useful in completing HW2</a:t>
             </a:r>
           </a:p>
           <a:p>
@@ -9750,7 +9710,23 @@
                 <a:cs typeface="Courier New"/>
                 <a:sym typeface="Courier New"/>
               </a:rPr>
-              <a:t>Lab 2 tomorrow at 9:05am. Attendance needed for grade</a:t>
+              <a:t>Lab 2 </a:t>
+            </a:r>
+            <a:r>
+              <a:rPr lang="en-US" dirty="0" smtClean="0">
+                <a:ea typeface="Courier New"/>
+                <a:cs typeface="Courier New"/>
+                <a:sym typeface="Courier New"/>
+              </a:rPr>
+              <a:t>on Wednesday. </a:t>
+            </a:r>
+            <a:r>
+              <a:rPr lang="en-US" dirty="0">
+                <a:ea typeface="Courier New"/>
+                <a:cs typeface="Courier New"/>
+                <a:sym typeface="Courier New"/>
+              </a:rPr>
+              <a:t>Attendance needed for grade</a:t>
             </a:r>
           </a:p>
           <a:p>
@@ -9772,39 +9748,20 @@
               </a:spcBef>
             </a:pPr>
             <a:r>
+              <a:rPr lang="en-US" dirty="0" smtClean="0">
+                <a:ea typeface="Courier New"/>
+                <a:cs typeface="Courier New"/>
+                <a:sym typeface="Courier New"/>
+              </a:rPr>
+              <a:t>HW1 </a:t>
+            </a:r>
+            <a:r>
               <a:rPr lang="en-US" dirty="0">
                 <a:ea typeface="Courier New"/>
                 <a:cs typeface="Courier New"/>
                 <a:sym typeface="Courier New"/>
               </a:rPr>
-              <a:t>OH today after class, 10am – 11am, LGRC, A205</a:t>
-            </a:r>
-          </a:p>
-          <a:p>
-            <a:pPr marL="342900" indent="-342900">
-              <a:spcBef>
-                <a:spcPts val="0"/>
-              </a:spcBef>
-            </a:pPr>
-            <a:endParaRPr lang="en-US" dirty="0">
-              <a:ea typeface="Courier New"/>
-              <a:cs typeface="Courier New"/>
-              <a:sym typeface="Courier New"/>
-            </a:endParaRPr>
-          </a:p>
-          <a:p>
-            <a:pPr marL="342900" indent="-342900">
-              <a:spcBef>
-                <a:spcPts val="0"/>
-              </a:spcBef>
-            </a:pPr>
-            <a:r>
-              <a:rPr lang="en-US" dirty="0">
-                <a:ea typeface="Courier New"/>
-                <a:cs typeface="Courier New"/>
-                <a:sym typeface="Courier New"/>
-              </a:rPr>
-              <a:t>HW1 completed, grades should be out soon</a:t>
+              <a:t>completed, grades should be out soon</a:t>
             </a:r>
             <a:endParaRPr dirty="0">
               <a:ea typeface="Courier New"/>
@@ -9824,6 +9781,13 @@
   <p:clrMapOvr>
     <a:masterClrMapping/>
   </p:clrMapOvr>
+  <p:timing>
+    <p:tnLst>
+      <p:par>
+        <p:cTn id="1" dur="indefinite" restart="never" nodeType="tmRoot"/>
+      </p:par>
+    </p:tnLst>
+  </p:timing>
 </p:sld>
 </file>
 
@@ -9892,6 +9856,13 @@
   <p:clrMapOvr>
     <a:masterClrMapping/>
   </p:clrMapOvr>
+  <p:timing>
+    <p:tnLst>
+      <p:par>
+        <p:cTn id="1" dur="indefinite" restart="never" nodeType="tmRoot"/>
+      </p:par>
+    </p:tnLst>
+  </p:timing>
 </p:sld>
 </file>
 
@@ -9978,8 +9949,12 @@
           <a:p>
             <a:pPr lvl="1"/>
             <a:r>
+              <a:rPr lang="en-US" dirty="0" smtClean="0"/>
+              <a:t>comparing </a:t>
+            </a:r>
+            <a:r>
               <a:rPr lang="en-US" dirty="0"/>
-              <a:t>Ex. 1 – comparing numbers </a:t>
+              <a:t>numbers </a:t>
             </a:r>
           </a:p>
           <a:p>
@@ -10030,6 +10005,13 @@
   <p:clrMapOvr>
     <a:masterClrMapping/>
   </p:clrMapOvr>
+  <p:timing>
+    <p:tnLst>
+      <p:par>
+        <p:cTn id="1" dur="indefinite" restart="never" nodeType="tmRoot"/>
+      </p:par>
+    </p:tnLst>
+  </p:timing>
 </p:sld>
 </file>
 
@@ -10120,13 +10102,6 @@
             </a:r>
           </a:p>
           <a:p>
-            <a:pPr lvl="1"/>
-            <a:r>
-              <a:rPr lang="en-US" dirty="0"/>
-              <a:t>Example:</a:t>
-            </a:r>
-          </a:p>
-          <a:p>
             <a:pPr marL="533400" lvl="1" indent="0">
               <a:buNone/>
             </a:pPr>
@@ -10174,6 +10149,13 @@
   <p:clrMapOvr>
     <a:masterClrMapping/>
   </p:clrMapOvr>
+  <p:timing>
+    <p:tnLst>
+      <p:par>
+        <p:cTn id="1" dur="indefinite" restart="never" nodeType="tmRoot"/>
+      </p:par>
+    </p:tnLst>
+  </p:timing>
 </p:sld>
 </file>
 
@@ -10308,6 +10290,13 @@
   <p:clrMapOvr>
     <a:masterClrMapping/>
   </p:clrMapOvr>
+  <p:timing>
+    <p:tnLst>
+      <p:par>
+        <p:cTn id="1" dur="indefinite" restart="never" nodeType="tmRoot"/>
+      </p:par>
+    </p:tnLst>
+  </p:timing>
 </p:sld>
 </file>
 
@@ -10376,6 +10365,13 @@
   <p:clrMapOvr>
     <a:masterClrMapping/>
   </p:clrMapOvr>
+  <p:timing>
+    <p:tnLst>
+      <p:par>
+        <p:cTn id="1" dur="indefinite" restart="never" nodeType="tmRoot"/>
+      </p:par>
+    </p:tnLst>
+  </p:timing>
 </p:sld>
 </file>
 
@@ -11762,6 +11758,13 @@
   <p:clrMapOvr>
     <a:masterClrMapping/>
   </p:clrMapOvr>
+  <p:timing>
+    <p:tnLst>
+      <p:par>
+        <p:cTn id="1" dur="indefinite" restart="never" nodeType="tmRoot"/>
+      </p:par>
+    </p:tnLst>
+  </p:timing>
 </p:sld>
 </file>
 
@@ -11875,7 +11878,23 @@
             <a:pPr lvl="1"/>
             <a:r>
               <a:rPr lang="en-US" sz="2400" dirty="0"/>
-              <a:t>type(abs) – inbuilt method or function</a:t>
+              <a:t>type(abs) –</a:t>
+            </a:r>
+            <a:r>
+              <a:rPr lang="en-US" sz="2400" dirty="0" err="1"/>
+              <a:t>builtin</a:t>
+            </a:r>
+            <a:r>
+              <a:rPr lang="en-US" sz="2400" dirty="0"/>
+              <a:t> </a:t>
+            </a:r>
+            <a:r>
+              <a:rPr lang="en-US" sz="2400" dirty="0" smtClean="0"/>
+              <a:t>function or </a:t>
+            </a:r>
+            <a:r>
+              <a:rPr lang="en-US" sz="2400" dirty="0"/>
+              <a:t>method</a:t>
             </a:r>
           </a:p>
           <a:p>
@@ -11888,15 +11907,35 @@
           <a:p>
             <a:pPr lvl="1"/>
             <a:r>
+              <a:rPr lang="en-US" sz="2400" dirty="0" smtClean="0"/>
+              <a:t>a </a:t>
+            </a:r>
+            <a:r>
               <a:rPr lang="en-US" sz="2400" dirty="0"/>
-              <a:t>a = 2 : type(a) – int</a:t>
+              <a:t>= </a:t>
+            </a:r>
+            <a:r>
+              <a:rPr lang="en-US" sz="2400" dirty="0" smtClean="0"/>
+              <a:t>2      type(a</a:t>
+            </a:r>
+            <a:r>
+              <a:rPr lang="en-US" sz="2400" dirty="0"/>
+              <a:t>) – int</a:t>
             </a:r>
           </a:p>
           <a:p>
             <a:pPr lvl="1"/>
             <a:r>
               <a:rPr lang="en-US" sz="2400" dirty="0"/>
-              <a:t>Type(3.245) -- float</a:t>
+              <a:t>t</a:t>
+            </a:r>
+            <a:r>
+              <a:rPr lang="en-US" sz="2400" dirty="0" smtClean="0"/>
+              <a:t>ype(3.245</a:t>
+            </a:r>
+            <a:r>
+              <a:rPr lang="en-US" sz="2400" dirty="0"/>
+              <a:t>) -- float</a:t>
             </a:r>
           </a:p>
         </p:txBody>
@@ -11911,6 +11950,13 @@
   <p:clrMapOvr>
     <a:masterClrMapping/>
   </p:clrMapOvr>
+  <p:timing>
+    <p:tnLst>
+      <p:par>
+        <p:cTn id="1" dur="indefinite" restart="never" nodeType="tmRoot"/>
+      </p:par>
+    </p:tnLst>
+  </p:timing>
 </p:sld>
 </file>
 
@@ -13113,10 +13159,10 @@
                         <a:buNone/>
                       </a:pPr>
                       <a:r>
-                        <a:rPr lang="en" b="1"/>
+                        <a:rPr lang="en" b="1" dirty="0"/>
                         <a:t>Code</a:t>
                       </a:r>
-                      <a:endParaRPr b="1"/>
+                      <a:endParaRPr b="1" dirty="0"/>
                     </a:p>
                   </a:txBody>
                   <a:tcPr marL="91425" marR="91425" marT="91425" marB="91425"/>
@@ -13288,10 +13334,10 @@
                         <a:buNone/>
                       </a:pPr>
                       <a:r>
-                        <a:rPr lang="en"/>
+                        <a:rPr lang="en" dirty="0"/>
                         <a:t>110567</a:t>
                       </a:r>
-                      <a:endParaRPr/>
+                      <a:endParaRPr dirty="0"/>
                     </a:p>
                   </a:txBody>
                   <a:tcPr marL="91425" marR="91425" marT="91425" marB="91425"/>
@@ -18214,7 +18260,15 @@
           <a:p>
             <a:r>
               <a:rPr lang="en-US" dirty="0"/>
-              <a:t>Example of inbuilt function is abs.</a:t>
+              <a:t>Example of </a:t>
+            </a:r>
+            <a:r>
+              <a:rPr lang="en-US" dirty="0" err="1"/>
+              <a:t>builtin</a:t>
+            </a:r>
+            <a:r>
+              <a:rPr lang="en-US" dirty="0"/>
+              <a:t> function is abs.</a:t>
             </a:r>
           </a:p>
           <a:p>
@@ -18646,7 +18700,7 @@
               <a:buChar char="●"/>
             </a:pPr>
             <a:r>
-              <a:rPr lang="en" b="1" dirty="0" err="1">
+              <a:rPr lang="en" b="1" smtClean="0">
                 <a:latin typeface="Courier New"/>
                 <a:ea typeface="Courier New"/>
                 <a:cs typeface="Courier New"/>
@@ -18655,7 +18709,7 @@
               <a:t>t.</a:t>
             </a:r>
             <a:r>
-              <a:rPr lang="en" b="1" dirty="0" err="1">
+              <a:rPr lang="en" b="1" smtClean="0">
                 <a:solidFill>
                   <a:srgbClr val="0000FF"/>
                 </a:solidFill>
@@ -18667,7 +18721,7 @@
               <a:t>where</a:t>
             </a:r>
             <a:r>
-              <a:rPr lang="en" b="1" dirty="0">
+              <a:rPr lang="en" b="1" smtClean="0">
                 <a:latin typeface="Courier New"/>
                 <a:ea typeface="Courier New"/>
                 <a:cs typeface="Courier New"/>
@@ -18676,31 +18730,13 @@
               <a:t>(</a:t>
             </a:r>
             <a:r>
-              <a:rPr lang="en" b="1" i="1" dirty="0">
+              <a:rPr lang="en" b="1" i="1" smtClean="0">
                 <a:latin typeface="Courier New"/>
                 <a:ea typeface="Courier New"/>
                 <a:cs typeface="Courier New"/>
                 <a:sym typeface="Courier New"/>
               </a:rPr>
-              <a:t>column, </a:t>
-            </a:r>
-            <a:r>
-              <a:rPr lang="en" b="1" dirty="0" err="1">
-                <a:latin typeface="Courier New"/>
-                <a:ea typeface="Courier New"/>
-                <a:cs typeface="Courier New"/>
-                <a:sym typeface="Courier New"/>
-              </a:rPr>
-              <a:t>are.</a:t>
-            </a:r>
-            <a:r>
-              <a:rPr lang="en" b="1" i="1" dirty="0" err="1">
-                <a:latin typeface="Courier New"/>
-                <a:ea typeface="Courier New"/>
-                <a:cs typeface="Courier New"/>
-                <a:sym typeface="Courier New"/>
-              </a:rPr>
-              <a:t>condition</a:t>
+              <a:t>column, condition</a:t>
             </a:r>
             <a:r>
               <a:rPr lang="en" b="1" dirty="0">
@@ -21693,6 +21729,13 @@
   <p:clrMapOvr>
     <a:masterClrMapping/>
   </p:clrMapOvr>
+  <p:timing>
+    <p:tnLst>
+      <p:par>
+        <p:cTn id="1" dur="indefinite" restart="never" nodeType="tmRoot"/>
+      </p:par>
+    </p:tnLst>
+  </p:timing>
 </p:sld>
 </file>
 
@@ -22631,6 +22674,13 @@
   <p:clrMapOvr>
     <a:masterClrMapping/>
   </p:clrMapOvr>
+  <p:timing>
+    <p:tnLst>
+      <p:par>
+        <p:cTn id="1" dur="indefinite" restart="never" nodeType="tmRoot"/>
+      </p:par>
+    </p:tnLst>
+  </p:timing>
 </p:sld>
 </file>
 
@@ -22723,12 +22773,20 @@
           <a:p>
             <a:pPr marL="800100" lvl="1" indent="-342900"/>
             <a:r>
+              <a:rPr lang="en" sz="2000" dirty="0" smtClean="0">
+                <a:ea typeface="Courier New"/>
+                <a:cs typeface="Courier New"/>
+                <a:sym typeface="Courier New"/>
+              </a:rPr>
+              <a:t>'a</a:t>
+            </a:r>
+            <a:r>
               <a:rPr lang="en" sz="2000" dirty="0">
                 <a:ea typeface="Courier New"/>
                 <a:cs typeface="Courier New"/>
                 <a:sym typeface="Courier New"/>
               </a:rPr>
-              <a:t>'a’</a:t>
+              <a:t>'</a:t>
             </a:r>
           </a:p>
           <a:p>
@@ -22739,7 +22797,7 @@
                 <a:cs typeface="Courier New"/>
                 <a:sym typeface="Courier New"/>
               </a:rPr>
-              <a:t>'word’</a:t>
+              <a:t>'word'</a:t>
             </a:r>
           </a:p>
           <a:p>
@@ -22781,7 +22839,7 @@
                 <a:cs typeface="Courier New"/>
                 <a:sym typeface="Courier New"/>
               </a:rPr>
-              <a:t>int('12’)</a:t>
+              <a:t>int('12')</a:t>
             </a:r>
           </a:p>
           <a:p>
@@ -23500,20 +23558,32 @@
           <a:p>
             <a:pPr lvl="1"/>
             <a:r>
-              <a:rPr lang="en-US" dirty="0" err="1"/>
-              <a:t>E.g</a:t>
+              <a:rPr lang="en" dirty="0">
+                <a:ea typeface="Courier New"/>
+                <a:cs typeface="Courier New"/>
+                <a:sym typeface="Courier New"/>
+              </a:rPr>
+              <a:t>'</a:t>
+            </a:r>
+            <a:r>
+              <a:rPr lang="en-US" dirty="0" smtClean="0"/>
+              <a:t>loud</a:t>
+            </a:r>
+            <a:r>
+              <a:rPr lang="en" dirty="0">
+                <a:ea typeface="Courier New"/>
+                <a:cs typeface="Courier New"/>
+                <a:sym typeface="Courier New"/>
+              </a:rPr>
+              <a:t>'</a:t>
+            </a:r>
+            <a:r>
+              <a:rPr lang="en-US" dirty="0" smtClean="0"/>
+              <a:t>.</a:t>
             </a:r>
             <a:r>
               <a:rPr lang="en-US" dirty="0"/>
-              <a:t>; “</a:t>
-            </a:r>
-            <a:r>
-              <a:rPr lang="en-US" dirty="0" err="1"/>
-              <a:t>loud”.upper</a:t>
-            </a:r>
-            <a:r>
-              <a:rPr lang="en-US" dirty="0"/>
-              <a:t>() -- LOUD</a:t>
+              <a:t>upper() -- LOUD</a:t>
             </a:r>
           </a:p>
           <a:p>
@@ -23525,45 +23595,69 @@
           <a:p>
             <a:pPr lvl="1"/>
             <a:r>
-              <a:rPr lang="en-US" dirty="0" err="1"/>
-              <a:t>E.g</a:t>
+              <a:rPr lang="en" dirty="0" smtClean="0">
+                <a:ea typeface="Courier New"/>
+                <a:cs typeface="Courier New"/>
+                <a:sym typeface="Courier New"/>
+              </a:rPr>
+              <a:t>'</a:t>
+            </a:r>
+            <a:r>
+              <a:rPr lang="en-US" dirty="0" smtClean="0"/>
+              <a:t>LOUD</a:t>
+            </a:r>
+            <a:r>
+              <a:rPr lang="en" dirty="0" smtClean="0">
+                <a:ea typeface="Courier New"/>
+                <a:cs typeface="Courier New"/>
+                <a:sym typeface="Courier New"/>
+              </a:rPr>
+              <a:t>'</a:t>
+            </a:r>
+            <a:r>
+              <a:rPr lang="en-US" dirty="0" smtClean="0"/>
+              <a:t>.lower() -- loud</a:t>
+            </a:r>
+          </a:p>
+          <a:p>
+            <a:r>
+              <a:rPr lang="en-US" dirty="0" smtClean="0"/>
+              <a:t>capitalize</a:t>
             </a:r>
             <a:r>
               <a:rPr lang="en-US" dirty="0"/>
-              <a:t>; “</a:t>
-            </a:r>
-            <a:r>
-              <a:rPr lang="en-US" dirty="0" err="1"/>
-              <a:t>loud”.lower</a:t>
+              <a:t>() – capitalizes the first letter of the string</a:t>
+            </a:r>
+          </a:p>
+          <a:p>
+            <a:pPr lvl="1"/>
+            <a:r>
+              <a:rPr lang="en" dirty="0">
+                <a:ea typeface="Courier New"/>
+                <a:cs typeface="Courier New"/>
+                <a:sym typeface="Courier New"/>
+              </a:rPr>
+              <a:t>'</a:t>
+            </a:r>
+            <a:r>
+              <a:rPr lang="en-US" dirty="0" smtClean="0"/>
+              <a:t>loud</a:t>
+            </a:r>
+            <a:r>
+              <a:rPr lang="en" dirty="0">
+                <a:ea typeface="Courier New"/>
+                <a:cs typeface="Courier New"/>
+                <a:sym typeface="Courier New"/>
+              </a:rPr>
+              <a:t>'</a:t>
+            </a:r>
+            <a:r>
+              <a:rPr lang="en-US" dirty="0" smtClean="0"/>
+              <a:t>.</a:t>
             </a:r>
             <a:r>
               <a:rPr lang="en-US" dirty="0"/>
-              <a:t>() -- loud</a:t>
-            </a:r>
-          </a:p>
-          <a:p>
-            <a:r>
-              <a:rPr lang="en-US" dirty="0"/>
-              <a:t>capitalize() – capitalizes the first letter of the string</a:t>
-            </a:r>
-          </a:p>
-          <a:p>
-            <a:pPr lvl="1"/>
-            <a:r>
-              <a:rPr lang="en-US" dirty="0" err="1"/>
-              <a:t>E.g</a:t>
-            </a:r>
-            <a:r>
-              <a:rPr lang="en-US" dirty="0"/>
-              <a:t>; “</a:t>
-            </a:r>
-            <a:r>
-              <a:rPr lang="en-US" dirty="0" err="1"/>
-              <a:t>loud”.capitalize</a:t>
-            </a:r>
-            <a:r>
-              <a:rPr lang="en-US" dirty="0"/>
-              <a:t>() – Loud</a:t>
+              <a:t>capitalize() – Loud</a:t>
             </a:r>
           </a:p>
           <a:p>
@@ -23575,20 +23669,16 @@
           <a:p>
             <a:pPr lvl="1"/>
             <a:r>
+              <a:rPr lang="en-US" dirty="0"/>
+              <a:t>'</a:t>
+            </a:r>
+            <a:r>
               <a:rPr lang="en-US" dirty="0" err="1"/>
-              <a:t>E.g</a:t>
+              <a:t>loud'.replace</a:t>
             </a:r>
             <a:r>
               <a:rPr lang="en-US" dirty="0"/>
-              <a:t>; “</a:t>
-            </a:r>
-            <a:r>
-              <a:rPr lang="en-US" dirty="0" err="1"/>
-              <a:t>loud”.replace</a:t>
-            </a:r>
-            <a:r>
-              <a:rPr lang="en-US" dirty="0"/>
-              <a:t>(”lo”, “</a:t>
+              <a:t>('lo', '</a:t>
             </a:r>
             <a:r>
               <a:rPr lang="en-US" dirty="0" err="1"/>
@@ -23596,7 +23686,7 @@
             </a:r>
             <a:r>
               <a:rPr lang="en-US" dirty="0"/>
-              <a:t>”) -- cloud</a:t>
+              <a:t>') -- cloud</a:t>
             </a:r>
           </a:p>
         </p:txBody>
@@ -23810,10 +23900,14 @@
               <a:buNone/>
             </a:pPr>
             <a:r>
-              <a:rPr lang="en"/>
-              <a:t>Discussion Question</a:t>
-            </a:r>
-            <a:endParaRPr/>
+              <a:rPr lang="en" dirty="0"/>
+              <a:t>Discussion </a:t>
+            </a:r>
+            <a:r>
+              <a:rPr lang="en" dirty="0" smtClean="0"/>
+              <a:t>Questions</a:t>
+            </a:r>
+            <a:endParaRPr dirty="0"/>
           </a:p>
         </p:txBody>
       </p:sp>
@@ -24053,6 +24147,13 @@
   <p:clrMapOvr>
     <a:masterClrMapping/>
   </p:clrMapOvr>
+  <p:timing>
+    <p:tnLst>
+      <p:par>
+        <p:cTn id="1" dur="indefinite" restart="never" nodeType="tmRoot"/>
+      </p:par>
+    </p:tnLst>
+  </p:timing>
 </p:sld>
 </file>
 

--- a/module2/2-slides.pptx
+++ b/module2/2-slides.pptx
@@ -4950,7 +4950,7 @@
           <a:p>
             <a:fld id="{1160EA64-D806-43AC-9DF2-F8C432F32B4C}" type="datetimeFigureOut">
               <a:rPr lang="en-US" smtClean="0"/>
-              <a:t>2/13/2023</a:t>
+              <a:t>2/15/2023</a:t>
             </a:fld>
             <a:endParaRPr lang="en-US" dirty="0"/>
           </a:p>
@@ -5129,7 +5129,7 @@
           <a:p>
             <a:fld id="{E9F9C37B-1D36-470B-8223-D6C91242EC14}" type="datetimeFigureOut">
               <a:rPr lang="en-US" smtClean="0"/>
-              <a:t>2/13/2023</a:t>
+              <a:t>2/15/2023</a:t>
             </a:fld>
             <a:endParaRPr lang="en-US" dirty="0"/>
           </a:p>
@@ -5310,7 +5310,7 @@
           <a:p>
             <a:fld id="{67C6F52A-A82B-47A2-A83A-8C4C91F2D59F}" type="datetimeFigureOut">
               <a:rPr lang="en-US" smtClean="0"/>
-              <a:t>2/13/2023</a:t>
+              <a:t>2/15/2023</a:t>
             </a:fld>
             <a:endParaRPr lang="en-US" dirty="0"/>
           </a:p>
@@ -6083,7 +6083,7 @@
           <a:p>
             <a:fld id="{F070A7B3-6521-4DCA-87E5-044747A908C1}" type="datetimeFigureOut">
               <a:rPr lang="en-US" smtClean="0"/>
-              <a:t>2/13/2023</a:t>
+              <a:t>2/15/2023</a:t>
             </a:fld>
             <a:endParaRPr lang="en-US" dirty="0"/>
           </a:p>
@@ -6406,7 +6406,7 @@
           <a:p>
             <a:fld id="{1160EA64-D806-43AC-9DF2-F8C432F32B4C}" type="datetimeFigureOut">
               <a:rPr lang="en-US" smtClean="0"/>
-              <a:t>2/13/2023</a:t>
+              <a:t>2/15/2023</a:t>
             </a:fld>
             <a:endParaRPr lang="en-US" dirty="0"/>
           </a:p>
@@ -6868,7 +6868,7 @@
           <a:p>
             <a:fld id="{AB134690-1557-4C89-A502-4959FE7FAD70}" type="datetimeFigureOut">
               <a:rPr lang="en-US" smtClean="0"/>
-              <a:t>2/13/2023</a:t>
+              <a:t>2/15/2023</a:t>
             </a:fld>
             <a:endParaRPr lang="en-US" dirty="0"/>
           </a:p>
@@ -7280,7 +7280,7 @@
           <a:p>
             <a:fld id="{1160EA64-D806-43AC-9DF2-F8C432F32B4C}" type="datetimeFigureOut">
               <a:rPr lang="en-US" smtClean="0"/>
-              <a:t>2/13/2023</a:t>
+              <a:t>2/15/2023</a:t>
             </a:fld>
             <a:endParaRPr lang="en-US" dirty="0"/>
           </a:p>
@@ -7400,7 +7400,7 @@
           <a:p>
             <a:fld id="{E1037C31-9E7A-4F99-8774-A0E530DE1A42}" type="datetimeFigureOut">
               <a:rPr lang="en-US" smtClean="0"/>
-              <a:t>2/13/2023</a:t>
+              <a:t>2/15/2023</a:t>
             </a:fld>
             <a:endParaRPr lang="en-US" dirty="0"/>
           </a:p>
@@ -7518,7 +7518,7 @@
           <a:p>
             <a:fld id="{C278504F-A551-4DE0-9316-4DCD1D8CC752}" type="datetimeFigureOut">
               <a:rPr lang="en-US" smtClean="0"/>
-              <a:t>2/13/2023</a:t>
+              <a:t>2/15/2023</a:t>
             </a:fld>
             <a:endParaRPr lang="en-US" dirty="0"/>
           </a:p>
@@ -7877,7 +7877,7 @@
           <a:p>
             <a:fld id="{D1BE4249-C0D0-4B06-8692-E8BB871AF643}" type="datetimeFigureOut">
               <a:rPr lang="en-US" smtClean="0"/>
-              <a:t>2/13/2023</a:t>
+              <a:t>2/15/2023</a:t>
             </a:fld>
             <a:endParaRPr lang="en-US" dirty="0"/>
           </a:p>
@@ -8385,7 +8385,7 @@
           <a:p>
             <a:fld id="{042B0DB6-F5C7-45FB-8CF3-31B45F9C2DAC}" type="datetimeFigureOut">
               <a:rPr lang="en-US" smtClean="0"/>
-              <a:t>2/13/2023</a:t>
+              <a:t>2/15/2023</a:t>
             </a:fld>
             <a:endParaRPr lang="en-US" dirty="0"/>
           </a:p>
@@ -8741,7 +8741,7 @@
           <a:p>
             <a:fld id="{1160EA64-D806-43AC-9DF2-F8C432F32B4C}" type="datetimeFigureOut">
               <a:rPr lang="en-US" smtClean="0"/>
-              <a:t>2/13/2023</a:t>
+              <a:t>2/15/2023</a:t>
             </a:fld>
             <a:endParaRPr lang="en-US" dirty="0"/>
           </a:p>
@@ -18700,7 +18700,7 @@
               <a:buChar char="●"/>
             </a:pPr>
             <a:r>
-              <a:rPr lang="en" b="1" smtClean="0">
+              <a:rPr lang="en" b="1" dirty="0" smtClean="0">
                 <a:latin typeface="Courier New"/>
                 <a:ea typeface="Courier New"/>
                 <a:cs typeface="Courier New"/>
@@ -18709,7 +18709,7 @@
               <a:t>t.</a:t>
             </a:r>
             <a:r>
-              <a:rPr lang="en" b="1" smtClean="0">
+              <a:rPr lang="en" b="1" dirty="0" smtClean="0">
                 <a:solidFill>
                   <a:srgbClr val="0000FF"/>
                 </a:solidFill>
@@ -18721,7 +18721,7 @@
               <a:t>where</a:t>
             </a:r>
             <a:r>
-              <a:rPr lang="en" b="1" smtClean="0">
+              <a:rPr lang="en" b="1" dirty="0" smtClean="0">
                 <a:latin typeface="Courier New"/>
                 <a:ea typeface="Courier New"/>
                 <a:cs typeface="Courier New"/>
@@ -18730,13 +18730,22 @@
               <a:t>(</a:t>
             </a:r>
             <a:r>
-              <a:rPr lang="en" b="1" i="1" smtClean="0">
+              <a:rPr lang="en" b="1" i="1" dirty="0" smtClean="0">
                 <a:latin typeface="Courier New"/>
                 <a:ea typeface="Courier New"/>
                 <a:cs typeface="Courier New"/>
                 <a:sym typeface="Courier New"/>
               </a:rPr>
-              <a:t>column, condition</a:t>
+              <a:t>column, </a:t>
+            </a:r>
+            <a:r>
+              <a:rPr lang="en" b="1" i="1" dirty="0" smtClean="0">
+                <a:latin typeface="Courier New"/>
+                <a:ea typeface="Courier New"/>
+                <a:cs typeface="Courier New"/>
+                <a:sym typeface="Courier New"/>
+              </a:rPr>
+              <a:t>are.condition</a:t>
             </a:r>
             <a:r>
               <a:rPr lang="en" b="1" dirty="0">

--- a/module2/2-slides.pptx
+++ b/module2/2-slides.pptx
@@ -4950,7 +4950,7 @@
           <a:p>
             <a:fld id="{1160EA64-D806-43AC-9DF2-F8C432F32B4C}" type="datetimeFigureOut">
               <a:rPr lang="en-US" smtClean="0"/>
-              <a:t>2/15/2023</a:t>
+              <a:t>2/17/2023</a:t>
             </a:fld>
             <a:endParaRPr lang="en-US" dirty="0"/>
           </a:p>
@@ -5129,7 +5129,7 @@
           <a:p>
             <a:fld id="{E9F9C37B-1D36-470B-8223-D6C91242EC14}" type="datetimeFigureOut">
               <a:rPr lang="en-US" smtClean="0"/>
-              <a:t>2/15/2023</a:t>
+              <a:t>2/17/2023</a:t>
             </a:fld>
             <a:endParaRPr lang="en-US" dirty="0"/>
           </a:p>
@@ -5310,7 +5310,7 @@
           <a:p>
             <a:fld id="{67C6F52A-A82B-47A2-A83A-8C4C91F2D59F}" type="datetimeFigureOut">
               <a:rPr lang="en-US" smtClean="0"/>
-              <a:t>2/15/2023</a:t>
+              <a:t>2/17/2023</a:t>
             </a:fld>
             <a:endParaRPr lang="en-US" dirty="0"/>
           </a:p>
@@ -6083,7 +6083,7 @@
           <a:p>
             <a:fld id="{F070A7B3-6521-4DCA-87E5-044747A908C1}" type="datetimeFigureOut">
               <a:rPr lang="en-US" smtClean="0"/>
-              <a:t>2/15/2023</a:t>
+              <a:t>2/17/2023</a:t>
             </a:fld>
             <a:endParaRPr lang="en-US" dirty="0"/>
           </a:p>
@@ -6406,7 +6406,7 @@
           <a:p>
             <a:fld id="{1160EA64-D806-43AC-9DF2-F8C432F32B4C}" type="datetimeFigureOut">
               <a:rPr lang="en-US" smtClean="0"/>
-              <a:t>2/15/2023</a:t>
+              <a:t>2/17/2023</a:t>
             </a:fld>
             <a:endParaRPr lang="en-US" dirty="0"/>
           </a:p>
@@ -6868,7 +6868,7 @@
           <a:p>
             <a:fld id="{AB134690-1557-4C89-A502-4959FE7FAD70}" type="datetimeFigureOut">
               <a:rPr lang="en-US" smtClean="0"/>
-              <a:t>2/15/2023</a:t>
+              <a:t>2/17/2023</a:t>
             </a:fld>
             <a:endParaRPr lang="en-US" dirty="0"/>
           </a:p>
@@ -7280,7 +7280,7 @@
           <a:p>
             <a:fld id="{1160EA64-D806-43AC-9DF2-F8C432F32B4C}" type="datetimeFigureOut">
               <a:rPr lang="en-US" smtClean="0"/>
-              <a:t>2/15/2023</a:t>
+              <a:t>2/17/2023</a:t>
             </a:fld>
             <a:endParaRPr lang="en-US" dirty="0"/>
           </a:p>
@@ -7400,7 +7400,7 @@
           <a:p>
             <a:fld id="{E1037C31-9E7A-4F99-8774-A0E530DE1A42}" type="datetimeFigureOut">
               <a:rPr lang="en-US" smtClean="0"/>
-              <a:t>2/15/2023</a:t>
+              <a:t>2/17/2023</a:t>
             </a:fld>
             <a:endParaRPr lang="en-US" dirty="0"/>
           </a:p>
@@ -7518,7 +7518,7 @@
           <a:p>
             <a:fld id="{C278504F-A551-4DE0-9316-4DCD1D8CC752}" type="datetimeFigureOut">
               <a:rPr lang="en-US" smtClean="0"/>
-              <a:t>2/15/2023</a:t>
+              <a:t>2/17/2023</a:t>
             </a:fld>
             <a:endParaRPr lang="en-US" dirty="0"/>
           </a:p>
@@ -7877,7 +7877,7 @@
           <a:p>
             <a:fld id="{D1BE4249-C0D0-4B06-8692-E8BB871AF643}" type="datetimeFigureOut">
               <a:rPr lang="en-US" smtClean="0"/>
-              <a:t>2/15/2023</a:t>
+              <a:t>2/17/2023</a:t>
             </a:fld>
             <a:endParaRPr lang="en-US" dirty="0"/>
           </a:p>
@@ -8385,7 +8385,7 @@
           <a:p>
             <a:fld id="{042B0DB6-F5C7-45FB-8CF3-31B45F9C2DAC}" type="datetimeFigureOut">
               <a:rPr lang="en-US" smtClean="0"/>
-              <a:t>2/15/2023</a:t>
+              <a:t>2/17/2023</a:t>
             </a:fld>
             <a:endParaRPr lang="en-US" dirty="0"/>
           </a:p>
@@ -8741,7 +8741,7 @@
           <a:p>
             <a:fld id="{1160EA64-D806-43AC-9DF2-F8C432F32B4C}" type="datetimeFigureOut">
               <a:rPr lang="en-US" smtClean="0"/>
-              <a:t>2/15/2023</a:t>
+              <a:t>2/17/2023</a:t>
             </a:fld>
             <a:endParaRPr lang="en-US" dirty="0"/>
           </a:p>
@@ -18736,16 +18736,7 @@
                 <a:cs typeface="Courier New"/>
                 <a:sym typeface="Courier New"/>
               </a:rPr>
-              <a:t>column, </a:t>
-            </a:r>
-            <a:r>
-              <a:rPr lang="en" b="1" i="1" dirty="0" smtClean="0">
-                <a:latin typeface="Courier New"/>
-                <a:ea typeface="Courier New"/>
-                <a:cs typeface="Courier New"/>
-                <a:sym typeface="Courier New"/>
-              </a:rPr>
-              <a:t>are.condition</a:t>
+              <a:t>column, are.condition</a:t>
             </a:r>
             <a:r>
               <a:rPr lang="en" b="1" dirty="0">
@@ -20308,8 +20299,8 @@
         </p:nvSpPr>
         <p:spPr>
           <a:xfrm>
-            <a:off x="76200" y="4772325"/>
-            <a:ext cx="8890800" cy="300600"/>
+            <a:off x="76200" y="4594650"/>
+            <a:ext cx="8890800" cy="478275"/>
           </a:xfrm>
           <a:prstGeom prst="rect">
             <a:avLst/>
@@ -20335,15 +20326,68 @@
               <a:buNone/>
             </a:pPr>
             <a:r>
-              <a:rPr lang="en" sz="1000" u="sng">
+              <a:rPr lang="en" sz="1000" u="sng" dirty="0">
                 <a:solidFill>
                   <a:schemeClr val="hlink"/>
                 </a:solidFill>
                 <a:hlinkClick r:id="rId3"/>
               </a:rPr>
-              <a:t>http://www2.census.gov/programs-surveys/popest/datasets/2010-2015/national/asrh/nc-est2015-agesex-res.pdf</a:t>
-            </a:r>
-            <a:endParaRPr sz="1000"/>
+              <a:t>http://</a:t>
+            </a:r>
+            <a:r>
+              <a:rPr lang="en" sz="1000" u="sng" dirty="0" smtClean="0">
+                <a:solidFill>
+                  <a:schemeClr val="hlink"/>
+                </a:solidFill>
+                <a:hlinkClick r:id="rId3"/>
+              </a:rPr>
+              <a:t>www2.census.gov/programs-surveys/popest/datasets/2010-2015/national/asrh/nc-est2015-agesex-res.pdf</a:t>
+            </a:r>
+            <a:endParaRPr lang="en" sz="1000" u="sng" dirty="0" smtClean="0">
+              <a:solidFill>
+                <a:schemeClr val="hlink"/>
+              </a:solidFill>
+            </a:endParaRPr>
+          </a:p>
+          <a:p>
+            <a:pPr marL="0" lvl="0" indent="0" algn="ctr" rtl="0">
+              <a:spcBef>
+                <a:spcPts val="0"/>
+              </a:spcBef>
+              <a:spcAft>
+                <a:spcPts val="0"/>
+              </a:spcAft>
+              <a:buNone/>
+            </a:pPr>
+            <a:endParaRPr lang="en" sz="1000" u="sng" dirty="0" smtClean="0">
+              <a:solidFill>
+                <a:schemeClr val="hlink"/>
+              </a:solidFill>
+            </a:endParaRPr>
+          </a:p>
+          <a:p>
+            <a:pPr algn="ctr"/>
+            <a:r>
+              <a:rPr lang="en-US" sz="1000" u="sng" dirty="0" smtClean="0">
+                <a:solidFill>
+                  <a:schemeClr val="hlink"/>
+                </a:solidFill>
+              </a:rPr>
+              <a:t>Click to view or download csv. data</a:t>
+            </a:r>
+            <a:endParaRPr lang="en-US" sz="1000" dirty="0"/>
+          </a:p>
+          <a:p>
+            <a:pPr marL="0" lvl="0" indent="0" algn="ctr" rtl="0">
+              <a:spcBef>
+                <a:spcPts val="0"/>
+              </a:spcBef>
+              <a:spcAft>
+                <a:spcPts val="0"/>
+              </a:spcAft>
+              <a:buNone/>
+            </a:pPr>
+            <a:endParaRPr sz="1000" dirty="0"/>
           </a:p>
         </p:txBody>
       </p:sp>
@@ -20857,8 +20901,8 @@
         </p:nvSpPr>
         <p:spPr>
           <a:xfrm>
-            <a:off x="457200" y="895350"/>
-            <a:ext cx="8759100" cy="987900"/>
+            <a:off x="457200" y="741405"/>
+            <a:ext cx="8759100" cy="1141845"/>
           </a:xfrm>
           <a:prstGeom prst="rect">
             <a:avLst/>
@@ -20870,21 +20914,15 @@
           </a:bodyPr>
           <a:lstStyle/>
           <a:p>
-            <a:pPr marL="0" lvl="0" indent="0" rtl="0">
-              <a:spcBef>
-                <a:spcPts val="480"/>
-              </a:spcBef>
-              <a:spcAft>
-                <a:spcPts val="0"/>
-              </a:spcAft>
+            <a:pPr marL="0" lvl="0" indent="0">
               <a:buNone/>
             </a:pPr>
             <a:r>
-              <a:rPr lang="en"/>
+              <a:rPr lang="en" dirty="0"/>
               <a:t>The table </a:t>
             </a:r>
             <a:r>
-              <a:rPr lang="en" b="1">
+              <a:rPr lang="en" b="1" dirty="0">
                 <a:solidFill>
                   <a:srgbClr val="0000FF"/>
                 </a:solidFill>
@@ -20895,11 +20933,11 @@
               <a:t>nba</a:t>
             </a:r>
             <a:r>
-              <a:rPr lang="en"/>
+              <a:rPr lang="en" dirty="0"/>
               <a:t> has columns </a:t>
             </a:r>
             <a:r>
-              <a:rPr lang="en" b="1">
+              <a:rPr lang="en" b="1" dirty="0" smtClean="0">
                 <a:solidFill>
                   <a:srgbClr val="0000FF"/>
                 </a:solidFill>
@@ -20907,14 +20945,14 @@
                 <a:cs typeface="Courier New"/>
                 <a:sym typeface="Courier New"/>
               </a:rPr>
-              <a:t>NAME</a:t>
-            </a:r>
-            <a:r>
-              <a:rPr lang="en"/>
+              <a:t>PLAYER</a:t>
+            </a:r>
+            <a:r>
+              <a:rPr lang="en" dirty="0" smtClean="0"/>
               <a:t>, </a:t>
             </a:r>
             <a:r>
-              <a:rPr lang="en" b="1">
+              <a:rPr lang="en" b="1" dirty="0">
                 <a:solidFill>
                   <a:srgbClr val="0000FF"/>
                 </a:solidFill>
@@ -20925,11 +20963,26 @@
               <a:t>POSITION</a:t>
             </a:r>
             <a:r>
-              <a:rPr lang="en"/>
-              <a:t>, and </a:t>
-            </a:r>
-            <a:r>
-              <a:rPr lang="en" b="1">
+              <a:rPr lang="en" dirty="0"/>
+              <a:t>, </a:t>
+            </a:r>
+            <a:r>
+              <a:rPr lang="en" b="1" dirty="0" smtClean="0">
+                <a:solidFill>
+                  <a:srgbClr val="0000FF"/>
+                </a:solidFill>
+                <a:ea typeface="Courier New"/>
+                <a:cs typeface="Courier New"/>
+                <a:sym typeface="Courier New"/>
+              </a:rPr>
+              <a:t>TEAM </a:t>
+            </a:r>
+            <a:r>
+              <a:rPr lang="en" dirty="0" smtClean="0"/>
+              <a:t>and </a:t>
+            </a:r>
+            <a:r>
+              <a:rPr lang="en" b="1" dirty="0">
                 <a:solidFill>
                   <a:srgbClr val="0000FF"/>
                 </a:solidFill>
@@ -20940,14 +20993,14 @@
               <a:t>SALARY</a:t>
             </a:r>
             <a:r>
-              <a:rPr lang="en">
+              <a:rPr lang="en" dirty="0">
                 <a:ea typeface="Courier New"/>
                 <a:cs typeface="Courier New"/>
                 <a:sym typeface="Courier New"/>
               </a:rPr>
               <a:t>.</a:t>
             </a:r>
-            <a:endParaRPr b="1">
+            <a:endParaRPr b="1" dirty="0">
               <a:ea typeface="Courier New"/>
               <a:cs typeface="Courier New"/>
               <a:sym typeface="Courier New"/>
@@ -21099,26 +21152,7 @@
           </a:bodyPr>
           <a:lstStyle/>
           <a:p>
-            <a:pPr marL="0" lvl="0" indent="0" rtl="0">
-              <a:spcBef>
-                <a:spcPts val="0"/>
-              </a:spcBef>
-              <a:spcAft>
-                <a:spcPts val="0"/>
-              </a:spcAft>
-              <a:buNone/>
-            </a:pPr>
-            <a:r>
-              <a:rPr lang="en" sz="2000" b="1" dirty="0" err="1">
-                <a:solidFill>
-                  <a:srgbClr val="0000FF"/>
-                </a:solidFill>
-                <a:ea typeface="Courier New"/>
-                <a:cs typeface="Courier New"/>
-                <a:sym typeface="Courier New"/>
-              </a:rPr>
-              <a:t>nba.with_row</a:t>
-            </a:r>
+            <a:pPr lvl="0"/>
             <a:r>
               <a:rPr lang="en" sz="2000" b="1" dirty="0">
                 <a:solidFill>
@@ -21128,7 +21162,73 @@
                 <a:cs typeface="Courier New"/>
                 <a:sym typeface="Courier New"/>
               </a:rPr>
-              <a:t>(['Samosa', 'Mascot', 100])</a:t>
+              <a:t>nba.with_row(['Samosa', 'Mascot', </a:t>
+            </a:r>
+            <a:r>
+              <a:rPr lang="en-US" sz="2000" b="1" dirty="0">
+                <a:solidFill>
+                  <a:srgbClr val="0000FF"/>
+                </a:solidFill>
+                <a:ea typeface="Courier New"/>
+                <a:cs typeface="Courier New"/>
+                <a:sym typeface="Courier New"/>
+              </a:rPr>
+              <a:t>'Atlanta </a:t>
+            </a:r>
+            <a:r>
+              <a:rPr lang="en-US" sz="2000" b="1" dirty="0" smtClean="0">
+                <a:solidFill>
+                  <a:srgbClr val="0000FF"/>
+                </a:solidFill>
+                <a:ea typeface="Courier New"/>
+                <a:cs typeface="Courier New"/>
+                <a:sym typeface="Courier New"/>
+              </a:rPr>
+              <a:t>Hawks</a:t>
+            </a:r>
+            <a:r>
+              <a:rPr lang="en-US" sz="2000" b="1" dirty="0">
+                <a:solidFill>
+                  <a:srgbClr val="0000FF"/>
+                </a:solidFill>
+                <a:ea typeface="Courier New"/>
+                <a:cs typeface="Courier New"/>
+                <a:sym typeface="Courier New"/>
+              </a:rPr>
+              <a:t>'</a:t>
+            </a:r>
+            <a:r>
+              <a:rPr lang="en-US" sz="2000" b="1" dirty="0" smtClean="0">
+                <a:solidFill>
+                  <a:srgbClr val="0000FF"/>
+                </a:solidFill>
+                <a:ea typeface="Courier New"/>
+                <a:cs typeface="Courier New"/>
+                <a:sym typeface="Courier New"/>
+              </a:rPr>
+              <a:t>, </a:t>
+            </a:r>
+            <a:r>
+              <a:rPr lang="en" sz="2000" b="1" dirty="0" smtClean="0">
+                <a:solidFill>
+                  <a:srgbClr val="0000FF"/>
+                </a:solidFill>
+                <a:ea typeface="Courier New"/>
+                <a:cs typeface="Courier New"/>
+                <a:sym typeface="Courier New"/>
+              </a:rPr>
+              <a:t>100</a:t>
+            </a:r>
+            <a:r>
+              <a:rPr lang="en" sz="2000" b="1" dirty="0">
+                <a:solidFill>
+                  <a:srgbClr val="0000FF"/>
+                </a:solidFill>
+                <a:ea typeface="Courier New"/>
+                <a:cs typeface="Courier New"/>
+                <a:sym typeface="Courier New"/>
+              </a:rPr>
+              <a:t>])</a:t>
             </a:r>
             <a:endParaRPr sz="2000" b="1" dirty="0">
               <a:solidFill>
@@ -21140,26 +21240,7 @@
             </a:endParaRPr>
           </a:p>
           <a:p>
-            <a:pPr marL="0" lvl="0" indent="0" rtl="0">
-              <a:spcBef>
-                <a:spcPts val="0"/>
-              </a:spcBef>
-              <a:spcAft>
-                <a:spcPts val="0"/>
-              </a:spcAft>
-              <a:buNone/>
-            </a:pPr>
-            <a:r>
-              <a:rPr lang="en" sz="2000" b="1" dirty="0" err="1">
-                <a:solidFill>
-                  <a:srgbClr val="0000FF"/>
-                </a:solidFill>
-                <a:ea typeface="Courier New"/>
-                <a:cs typeface="Courier New"/>
-                <a:sym typeface="Courier New"/>
-              </a:rPr>
-              <a:t>nba.where</a:t>
-            </a:r>
+            <a:pPr lvl="0"/>
             <a:r>
               <a:rPr lang="en" sz="2000" b="1" dirty="0">
                 <a:solidFill>
@@ -21169,10 +21250,10 @@
                 <a:cs typeface="Courier New"/>
                 <a:sym typeface="Courier New"/>
               </a:rPr>
-              <a:t>('NAME', </a:t>
-            </a:r>
-            <a:r>
-              <a:rPr lang="en" sz="2000" b="1" dirty="0" err="1">
+              <a:t>nba.where(</a:t>
+            </a:r>
+            <a:r>
+              <a:rPr lang="en" sz="2000" b="1" dirty="0" smtClean="0">
                 <a:solidFill>
                   <a:srgbClr val="0000FF"/>
                 </a:solidFill>
@@ -21180,7 +21261,29 @@
                 <a:cs typeface="Courier New"/>
                 <a:sym typeface="Courier New"/>
               </a:rPr>
-              <a:t>are.containing</a:t>
+              <a:t>'</a:t>
+            </a:r>
+            <a:r>
+              <a:rPr lang="en-US" sz="2000" b="1" dirty="0">
+                <a:solidFill>
+                  <a:srgbClr val="0000FF"/>
+                </a:solidFill>
+                <a:ea typeface="Courier New"/>
+                <a:cs typeface="Courier New"/>
+                <a:sym typeface="Courier New"/>
+              </a:rPr>
+              <a:t>PLAYER</a:t>
+            </a:r>
+            <a:r>
+              <a:rPr lang="en" sz="2000" b="1" dirty="0" smtClean="0">
+                <a:solidFill>
+                  <a:srgbClr val="0000FF"/>
+                </a:solidFill>
+                <a:ea typeface="Courier New"/>
+                <a:cs typeface="Courier New"/>
+                <a:sym typeface="Courier New"/>
+              </a:rPr>
+              <a:t>', </a:t>
             </a:r>
             <a:r>
               <a:rPr lang="en" sz="2000" b="1" dirty="0">
@@ -21191,29 +21294,7 @@
                 <a:cs typeface="Courier New"/>
                 <a:sym typeface="Courier New"/>
               </a:rPr>
-              <a:t>('</a:t>
-            </a:r>
-            <a:r>
-              <a:rPr lang="en" sz="2000" b="1" dirty="0" err="1">
-                <a:solidFill>
-                  <a:srgbClr val="0000FF"/>
-                </a:solidFill>
-                <a:ea typeface="Courier New"/>
-                <a:cs typeface="Courier New"/>
-                <a:sym typeface="Courier New"/>
-              </a:rPr>
-              <a:t>Samo</a:t>
-            </a:r>
-            <a:r>
-              <a:rPr lang="en" sz="2000" b="1" dirty="0">
-                <a:solidFill>
-                  <a:srgbClr val="0000FF"/>
-                </a:solidFill>
-                <a:ea typeface="Courier New"/>
-                <a:cs typeface="Courier New"/>
-                <a:sym typeface="Courier New"/>
-              </a:rPr>
-              <a:t>'))</a:t>
+              <a:t>are.containing('Samo'))</a:t>
             </a:r>
             <a:endParaRPr sz="2000" b="1" dirty="0">
               <a:solidFill>
